--- a/images/zero-waste/templates.pptx
+++ b/images/zero-waste/templates.pptx
@@ -7,6 +7,8 @@
   <p:sldIdLst>
     <p:sldId id="256" r:id="rId2"/>
     <p:sldId id="257" r:id="rId3"/>
+    <p:sldId id="259" r:id="rId4"/>
+    <p:sldId id="258" r:id="rId5"/>
   </p:sldIdLst>
   <p:sldSz cx="12192000" cy="6858000"/>
   <p:notesSz cx="6858000" cy="9144000"/>
@@ -105,6 +107,11 @@
       </a:defRPr>
     </a:lvl9pPr>
   </p:defaultTextStyle>
+  <p:extLst>
+    <p:ext uri="{EFAFB233-063F-42B5-8137-9DF3F51BA10A}">
+      <p15:sldGuideLst xmlns:p15="http://schemas.microsoft.com/office/powerpoint/2012/main"/>
+    </p:ext>
+  </p:extLst>
 </p:presentation>
 </file>
 
@@ -267,7 +274,7 @@
           <a:p>
             <a:fld id="{E6A89C0F-CA62-4C5B-9686-7C7BB174A67B}" type="datetimeFigureOut">
               <a:rPr lang="en-US" smtClean="0"/>
-              <a:t>04-Feb-19</a:t>
+              <a:t>05-Feb-19</a:t>
             </a:fld>
             <a:endParaRPr lang="en-US"/>
           </a:p>
@@ -465,7 +472,7 @@
           <a:p>
             <a:fld id="{E6A89C0F-CA62-4C5B-9686-7C7BB174A67B}" type="datetimeFigureOut">
               <a:rPr lang="en-US" smtClean="0"/>
-              <a:t>04-Feb-19</a:t>
+              <a:t>05-Feb-19</a:t>
             </a:fld>
             <a:endParaRPr lang="en-US"/>
           </a:p>
@@ -673,7 +680,7 @@
           <a:p>
             <a:fld id="{E6A89C0F-CA62-4C5B-9686-7C7BB174A67B}" type="datetimeFigureOut">
               <a:rPr lang="en-US" smtClean="0"/>
-              <a:t>04-Feb-19</a:t>
+              <a:t>05-Feb-19</a:t>
             </a:fld>
             <a:endParaRPr lang="en-US"/>
           </a:p>
@@ -871,7 +878,7 @@
           <a:p>
             <a:fld id="{E6A89C0F-CA62-4C5B-9686-7C7BB174A67B}" type="datetimeFigureOut">
               <a:rPr lang="en-US" smtClean="0"/>
-              <a:t>04-Feb-19</a:t>
+              <a:t>05-Feb-19</a:t>
             </a:fld>
             <a:endParaRPr lang="en-US"/>
           </a:p>
@@ -1146,7 +1153,7 @@
           <a:p>
             <a:fld id="{E6A89C0F-CA62-4C5B-9686-7C7BB174A67B}" type="datetimeFigureOut">
               <a:rPr lang="en-US" smtClean="0"/>
-              <a:t>04-Feb-19</a:t>
+              <a:t>05-Feb-19</a:t>
             </a:fld>
             <a:endParaRPr lang="en-US"/>
           </a:p>
@@ -1411,7 +1418,7 @@
           <a:p>
             <a:fld id="{E6A89C0F-CA62-4C5B-9686-7C7BB174A67B}" type="datetimeFigureOut">
               <a:rPr lang="en-US" smtClean="0"/>
-              <a:t>04-Feb-19</a:t>
+              <a:t>05-Feb-19</a:t>
             </a:fld>
             <a:endParaRPr lang="en-US"/>
           </a:p>
@@ -1823,7 +1830,7 @@
           <a:p>
             <a:fld id="{E6A89C0F-CA62-4C5B-9686-7C7BB174A67B}" type="datetimeFigureOut">
               <a:rPr lang="en-US" smtClean="0"/>
-              <a:t>04-Feb-19</a:t>
+              <a:t>05-Feb-19</a:t>
             </a:fld>
             <a:endParaRPr lang="en-US"/>
           </a:p>
@@ -1964,7 +1971,7 @@
           <a:p>
             <a:fld id="{E6A89C0F-CA62-4C5B-9686-7C7BB174A67B}" type="datetimeFigureOut">
               <a:rPr lang="en-US" smtClean="0"/>
-              <a:t>04-Feb-19</a:t>
+              <a:t>05-Feb-19</a:t>
             </a:fld>
             <a:endParaRPr lang="en-US"/>
           </a:p>
@@ -2077,7 +2084,7 @@
           <a:p>
             <a:fld id="{E6A89C0F-CA62-4C5B-9686-7C7BB174A67B}" type="datetimeFigureOut">
               <a:rPr lang="en-US" smtClean="0"/>
-              <a:t>04-Feb-19</a:t>
+              <a:t>05-Feb-19</a:t>
             </a:fld>
             <a:endParaRPr lang="en-US"/>
           </a:p>
@@ -2388,7 +2395,7 @@
           <a:p>
             <a:fld id="{E6A89C0F-CA62-4C5B-9686-7C7BB174A67B}" type="datetimeFigureOut">
               <a:rPr lang="en-US" smtClean="0"/>
-              <a:t>04-Feb-19</a:t>
+              <a:t>05-Feb-19</a:t>
             </a:fld>
             <a:endParaRPr lang="en-US"/>
           </a:p>
@@ -2676,7 +2683,7 @@
           <a:p>
             <a:fld id="{E6A89C0F-CA62-4C5B-9686-7C7BB174A67B}" type="datetimeFigureOut">
               <a:rPr lang="en-US" smtClean="0"/>
-              <a:t>04-Feb-19</a:t>
+              <a:t>05-Feb-19</a:t>
             </a:fld>
             <a:endParaRPr lang="en-US"/>
           </a:p>
@@ -2917,7 +2924,7 @@
           <a:p>
             <a:fld id="{E6A89C0F-CA62-4C5B-9686-7C7BB174A67B}" type="datetimeFigureOut">
               <a:rPr lang="en-US" smtClean="0"/>
-              <a:t>04-Feb-19</a:t>
+              <a:t>05-Feb-19</a:t>
             </a:fld>
             <a:endParaRPr lang="en-US"/>
           </a:p>
@@ -3554,6 +3561,203 @@
 </p:sld>
 </file>
 
+<file path=ppt/slides/slide3.xml><?xml version="1.0" encoding="utf-8"?>
+<p:sld xmlns:a="http://schemas.openxmlformats.org/drawingml/2006/main" xmlns:r="http://schemas.openxmlformats.org/officeDocument/2006/relationships" xmlns:p="http://schemas.openxmlformats.org/presentationml/2006/main">
+  <p:cSld>
+    <p:spTree>
+      <p:nvGrpSpPr>
+        <p:cNvPr id="1" name=""/>
+        <p:cNvGrpSpPr/>
+        <p:nvPr/>
+      </p:nvGrpSpPr>
+      <p:grpSpPr>
+        <a:xfrm>
+          <a:off x="0" y="0"/>
+          <a:ext cx="0" cy="0"/>
+          <a:chOff x="0" y="0"/>
+          <a:chExt cx="0" cy="0"/>
+        </a:xfrm>
+      </p:grpSpPr>
+      <p:sp>
+        <p:nvSpPr>
+          <p:cNvPr id="4" name="Rectangle 3">
+            <a:extLst>
+              <a:ext uri="{FF2B5EF4-FFF2-40B4-BE49-F238E27FC236}">
+                <a16:creationId xmlns:a16="http://schemas.microsoft.com/office/drawing/2014/main" id="{A72132B7-3C73-461A-B376-6C8DEEA85918}"/>
+              </a:ext>
+            </a:extLst>
+          </p:cNvPr>
+          <p:cNvSpPr/>
+          <p:nvPr/>
+        </p:nvSpPr>
+        <p:spPr>
+          <a:xfrm>
+            <a:off x="2321169" y="1686245"/>
+            <a:ext cx="5092505" cy="3182816"/>
+          </a:xfrm>
+          <a:prstGeom prst="rect">
+            <a:avLst/>
+          </a:prstGeom>
+          <a:blipFill dpi="0" rotWithShape="1">
+            <a:blip r:embed="rId2"/>
+            <a:srcRect/>
+            <a:tile tx="-31750" ty="0" sx="60000" sy="60000" flip="none" algn="tl"/>
+          </a:blipFill>
+          <a:ln>
+            <a:noFill/>
+          </a:ln>
+        </p:spPr>
+        <p:style>
+          <a:lnRef idx="2">
+            <a:schemeClr val="accent1">
+              <a:shade val="50000"/>
+            </a:schemeClr>
+          </a:lnRef>
+          <a:fillRef idx="1">
+            <a:schemeClr val="accent1"/>
+          </a:fillRef>
+          <a:effectRef idx="0">
+            <a:schemeClr val="accent1"/>
+          </a:effectRef>
+          <a:fontRef idx="minor">
+            <a:schemeClr val="lt1"/>
+          </a:fontRef>
+        </p:style>
+        <p:txBody>
+          <a:bodyPr rtlCol="0" anchor="ctr"/>
+          <a:lstStyle/>
+          <a:p>
+            <a:pPr algn="ctr"/>
+            <a:endParaRPr lang="en-US"/>
+          </a:p>
+        </p:txBody>
+      </p:sp>
+    </p:spTree>
+    <p:extLst>
+      <p:ext uri="{BB962C8B-B14F-4D97-AF65-F5344CB8AC3E}">
+        <p14:creationId xmlns:p14="http://schemas.microsoft.com/office/powerpoint/2010/main" val="2085087806"/>
+      </p:ext>
+    </p:extLst>
+  </p:cSld>
+  <p:clrMapOvr>
+    <a:masterClrMapping/>
+  </p:clrMapOvr>
+</p:sld>
+</file>
+
+<file path=ppt/slides/slide4.xml><?xml version="1.0" encoding="utf-8"?>
+<p:sld xmlns:a="http://schemas.openxmlformats.org/drawingml/2006/main" xmlns:r="http://schemas.openxmlformats.org/officeDocument/2006/relationships" xmlns:p="http://schemas.openxmlformats.org/presentationml/2006/main">
+  <p:cSld>
+    <p:spTree>
+      <p:nvGrpSpPr>
+        <p:cNvPr id="1" name=""/>
+        <p:cNvGrpSpPr/>
+        <p:nvPr/>
+      </p:nvGrpSpPr>
+      <p:grpSpPr>
+        <a:xfrm>
+          <a:off x="0" y="0"/>
+          <a:ext cx="0" cy="0"/>
+          <a:chOff x="0" y="0"/>
+          <a:chExt cx="0" cy="0"/>
+        </a:xfrm>
+      </p:grpSpPr>
+      <p:pic>
+        <p:nvPicPr>
+          <p:cNvPr id="1026" name="Picture 2" descr="Price_boxplots">
+            <a:extLst>
+              <a:ext uri="{FF2B5EF4-FFF2-40B4-BE49-F238E27FC236}">
+                <a16:creationId xmlns:a16="http://schemas.microsoft.com/office/drawing/2014/main" id="{87B6383F-3113-41D4-A3C3-C3ADCD594D1C}"/>
+              </a:ext>
+            </a:extLst>
+          </p:cNvPr>
+          <p:cNvPicPr>
+            <a:picLocks noChangeAspect="1" noChangeArrowheads="1"/>
+          </p:cNvPicPr>
+          <p:nvPr/>
+        </p:nvPicPr>
+        <p:blipFill>
+          <a:blip r:embed="rId2">
+            <a:extLst>
+              <a:ext uri="{28A0092B-C50C-407E-A947-70E740481C1C}">
+                <a14:useLocalDpi xmlns:a14="http://schemas.microsoft.com/office/drawing/2010/main" val="0"/>
+              </a:ext>
+            </a:extLst>
+          </a:blip>
+          <a:srcRect/>
+          <a:stretch>
+            <a:fillRect/>
+          </a:stretch>
+        </p:blipFill>
+        <p:spPr bwMode="auto">
+          <a:xfrm>
+            <a:off x="523363" y="0"/>
+            <a:ext cx="10457840" cy="6858000"/>
+          </a:xfrm>
+          <a:prstGeom prst="rect">
+            <a:avLst/>
+          </a:prstGeom>
+          <a:noFill/>
+          <a:extLst>
+            <a:ext uri="{909E8E84-426E-40DD-AFC4-6F175D3DCCD1}">
+              <a14:hiddenFill xmlns:a14="http://schemas.microsoft.com/office/drawing/2010/main">
+                <a:solidFill>
+                  <a:srgbClr val="FFFFFF"/>
+                </a:solidFill>
+              </a14:hiddenFill>
+            </a:ext>
+          </a:extLst>
+        </p:spPr>
+      </p:pic>
+      <p:sp>
+        <p:nvSpPr>
+          <p:cNvPr id="2" name="TextBox 1">
+            <a:extLst>
+              <a:ext uri="{FF2B5EF4-FFF2-40B4-BE49-F238E27FC236}">
+                <a16:creationId xmlns:a16="http://schemas.microsoft.com/office/drawing/2014/main" id="{613ED070-BFA7-4CDB-9AD0-4101FE5ABD5E}"/>
+              </a:ext>
+            </a:extLst>
+          </p:cNvPr>
+          <p:cNvSpPr txBox="1"/>
+          <p:nvPr/>
+        </p:nvSpPr>
+        <p:spPr>
+          <a:xfrm rot="16200000">
+            <a:off x="-134029" y="2321169"/>
+            <a:ext cx="1314784" cy="369332"/>
+          </a:xfrm>
+          <a:prstGeom prst="rect">
+            <a:avLst/>
+          </a:prstGeom>
+          <a:noFill/>
+        </p:spPr>
+        <p:txBody>
+          <a:bodyPr wrap="none" rtlCol="0">
+            <a:spAutoFit/>
+          </a:bodyPr>
+          <a:lstStyle/>
+          <a:p>
+            <a:r>
+              <a:rPr lang="en-IN" dirty="0"/>
+              <a:t>Price in EUR</a:t>
+            </a:r>
+            <a:endParaRPr lang="en-US" dirty="0"/>
+          </a:p>
+        </p:txBody>
+      </p:sp>
+    </p:spTree>
+    <p:extLst>
+      <p:ext uri="{BB962C8B-B14F-4D97-AF65-F5344CB8AC3E}">
+        <p14:creationId xmlns:p14="http://schemas.microsoft.com/office/powerpoint/2010/main" val="3876231776"/>
+      </p:ext>
+    </p:extLst>
+  </p:cSld>
+  <p:clrMapOvr>
+    <a:masterClrMapping/>
+  </p:clrMapOvr>
+</p:sld>
+</file>
+
 <file path=ppt/theme/theme1.xml><?xml version="1.0" encoding="utf-8"?>
 <a:theme xmlns:a="http://schemas.openxmlformats.org/drawingml/2006/main" name="Office Theme">
   <a:themeElements>
